--- a/DL/New/L6 Multilayer FeedForward network XOR_MNIST DIGIT.pptx
+++ b/DL/New/L6 Multilayer FeedForward network XOR_MNIST DIGIT.pptx
@@ -311,7 +311,7 @@
           <a:p>
             <a:fld id="{5CA927A0-04B5-4C8C-82DC-51F73CA87591}" type="datetimeFigureOut">
               <a:rPr lang="en-IN" smtClean="0"/>
-              <a:t>03-02-2024</a:t>
+              <a:t>28-02-2025</a:t>
             </a:fld>
             <a:endParaRPr lang="en-IN"/>
           </a:p>
@@ -511,7 +511,7 @@
           <a:p>
             <a:fld id="{5CA927A0-04B5-4C8C-82DC-51F73CA87591}" type="datetimeFigureOut">
               <a:rPr lang="en-IN" smtClean="0"/>
-              <a:t>03-02-2024</a:t>
+              <a:t>28-02-2025</a:t>
             </a:fld>
             <a:endParaRPr lang="en-IN"/>
           </a:p>
@@ -721,7 +721,7 @@
           <a:p>
             <a:fld id="{5CA927A0-04B5-4C8C-82DC-51F73CA87591}" type="datetimeFigureOut">
               <a:rPr lang="en-IN" smtClean="0"/>
-              <a:t>03-02-2024</a:t>
+              <a:t>28-02-2025</a:t>
             </a:fld>
             <a:endParaRPr lang="en-IN"/>
           </a:p>
@@ -921,7 +921,7 @@
           <a:p>
             <a:fld id="{5CA927A0-04B5-4C8C-82DC-51F73CA87591}" type="datetimeFigureOut">
               <a:rPr lang="en-IN" smtClean="0"/>
-              <a:t>03-02-2024</a:t>
+              <a:t>28-02-2025</a:t>
             </a:fld>
             <a:endParaRPr lang="en-IN"/>
           </a:p>
@@ -1197,7 +1197,7 @@
           <a:p>
             <a:fld id="{5CA927A0-04B5-4C8C-82DC-51F73CA87591}" type="datetimeFigureOut">
               <a:rPr lang="en-IN" smtClean="0"/>
-              <a:t>03-02-2024</a:t>
+              <a:t>28-02-2025</a:t>
             </a:fld>
             <a:endParaRPr lang="en-IN"/>
           </a:p>
@@ -1465,7 +1465,7 @@
           <a:p>
             <a:fld id="{5CA927A0-04B5-4C8C-82DC-51F73CA87591}" type="datetimeFigureOut">
               <a:rPr lang="en-IN" smtClean="0"/>
-              <a:t>03-02-2024</a:t>
+              <a:t>28-02-2025</a:t>
             </a:fld>
             <a:endParaRPr lang="en-IN"/>
           </a:p>
@@ -1880,7 +1880,7 @@
           <a:p>
             <a:fld id="{5CA927A0-04B5-4C8C-82DC-51F73CA87591}" type="datetimeFigureOut">
               <a:rPr lang="en-IN" smtClean="0"/>
-              <a:t>03-02-2024</a:t>
+              <a:t>28-02-2025</a:t>
             </a:fld>
             <a:endParaRPr lang="en-IN"/>
           </a:p>
@@ -2022,7 +2022,7 @@
           <a:p>
             <a:fld id="{5CA927A0-04B5-4C8C-82DC-51F73CA87591}" type="datetimeFigureOut">
               <a:rPr lang="en-IN" smtClean="0"/>
-              <a:t>03-02-2024</a:t>
+              <a:t>28-02-2025</a:t>
             </a:fld>
             <a:endParaRPr lang="en-IN"/>
           </a:p>
@@ -2135,7 +2135,7 @@
           <a:p>
             <a:fld id="{5CA927A0-04B5-4C8C-82DC-51F73CA87591}" type="datetimeFigureOut">
               <a:rPr lang="en-IN" smtClean="0"/>
-              <a:t>03-02-2024</a:t>
+              <a:t>28-02-2025</a:t>
             </a:fld>
             <a:endParaRPr lang="en-IN"/>
           </a:p>
@@ -2448,7 +2448,7 @@
           <a:p>
             <a:fld id="{5CA927A0-04B5-4C8C-82DC-51F73CA87591}" type="datetimeFigureOut">
               <a:rPr lang="en-IN" smtClean="0"/>
-              <a:t>03-02-2024</a:t>
+              <a:t>28-02-2025</a:t>
             </a:fld>
             <a:endParaRPr lang="en-IN"/>
           </a:p>
@@ -2737,7 +2737,7 @@
           <a:p>
             <a:fld id="{5CA927A0-04B5-4C8C-82DC-51F73CA87591}" type="datetimeFigureOut">
               <a:rPr lang="en-IN" smtClean="0"/>
-              <a:t>03-02-2024</a:t>
+              <a:t>28-02-2025</a:t>
             </a:fld>
             <a:endParaRPr lang="en-IN"/>
           </a:p>
@@ -2980,7 +2980,7 @@
           <a:p>
             <a:fld id="{5CA927A0-04B5-4C8C-82DC-51F73CA87591}" type="datetimeFigureOut">
               <a:rPr lang="en-IN" smtClean="0"/>
-              <a:t>03-02-2024</a:t>
+              <a:t>28-02-2025</a:t>
             </a:fld>
             <a:endParaRPr lang="en-IN"/>
           </a:p>
@@ -3581,7 +3581,15 @@
           <a:p>
             <a:r>
               <a:rPr lang="en-US" dirty="0"/>
-              <a:t>The total number of weights is ( 13 * 5 ) + ( 5 * 4 ) + ( 4 * 3 ) = 97. </a:t>
+              <a:t>The total number of weights is </a:t>
+            </a:r>
+            <a:r>
+              <a:rPr lang="en-US" dirty="0">
+                <a:highlight>
+                  <a:srgbClr val="FFFF00"/>
+                </a:highlight>
+              </a:rPr>
+              <a:t>( 13 * 5 ) + ( 5 * 4 ) + ( 4 * 3 ) = 97. </a:t>
             </a:r>
           </a:p>
           <a:p>
@@ -3602,6 +3610,45 @@
               <a:t>Total number of parameters 97 + 12 = 109.</a:t>
             </a:r>
             <a:endParaRPr lang="en-IN" dirty="0"/>
+          </a:p>
+        </p:txBody>
+      </p:sp>
+      <p:sp>
+        <p:nvSpPr>
+          <p:cNvPr id="2" name="TextBox 1">
+            <a:extLst>
+              <a:ext uri="{FF2B5EF4-FFF2-40B4-BE49-F238E27FC236}">
+                <a16:creationId xmlns:a16="http://schemas.microsoft.com/office/drawing/2014/main" id="{07F95F5B-E492-4E2C-0028-CE92526851AF}"/>
+              </a:ext>
+            </a:extLst>
+          </p:cNvPr>
+          <p:cNvSpPr txBox="1"/>
+          <p:nvPr/>
+        </p:nvSpPr>
+        <p:spPr>
+          <a:xfrm>
+            <a:off x="6096000" y="653143"/>
+            <a:ext cx="3824893" cy="369332"/>
+          </a:xfrm>
+          <a:prstGeom prst="rect">
+            <a:avLst/>
+          </a:prstGeom>
+          <a:noFill/>
+        </p:spPr>
+        <p:txBody>
+          <a:bodyPr wrap="none" rtlCol="0">
+            <a:spAutoFit/>
+          </a:bodyPr>
+          <a:lstStyle/>
+          <a:p>
+            <a:r>
+              <a:rPr lang="en-IN" dirty="0">
+                <a:highlight>
+                  <a:srgbClr val="FF0000"/>
+                </a:highlight>
+              </a:rPr>
+              <a:t>Note that input layer doesn’t have bias</a:t>
+            </a:r>
           </a:p>
         </p:txBody>
       </p:sp>
@@ -3687,13 +3734,37 @@
           <a:p>
             <a:r>
               <a:rPr lang="en-US" dirty="0"/>
-              <a:t>These activation functions are non-linear functions (except for “identity”) which allow the neural network to learn non-linear relationships between the input and output data. </a:t>
-            </a:r>
-          </a:p>
-          <a:p>
+              <a:t>These </a:t>
+            </a:r>
+            <a:r>
+              <a:rPr lang="en-US" dirty="0">
+                <a:highlight>
+                  <a:srgbClr val="FFFF00"/>
+                </a:highlight>
+              </a:rPr>
+              <a:t>activation functions are non-linear functions </a:t>
+            </a:r>
             <a:r>
               <a:rPr lang="en-US" dirty="0"/>
-              <a:t>Each of the activation functions transform values in different ways and will create different training processes, learned mappings, and output predictions in a neural network</a:t>
+              <a:t>(except for “identity”) which allow the neural network to </a:t>
+            </a:r>
+            <a:r>
+              <a:rPr lang="en-US" dirty="0">
+                <a:highlight>
+                  <a:srgbClr val="FFFF00"/>
+                </a:highlight>
+              </a:rPr>
+              <a:t>learn non-linear relationships</a:t>
+            </a:r>
+            <a:r>
+              <a:rPr lang="en-US" dirty="0"/>
+              <a:t> between the input and output data. </a:t>
+            </a:r>
+          </a:p>
+          <a:p>
+            <a:r>
+              <a:rPr lang="en-US" dirty="0"/>
+              <a:t>Each of the activation functions transforms values in different ways and will create different training processes, learned mappings, and output predictions in a neural network</a:t>
             </a:r>
           </a:p>
           <a:p>
@@ -3791,7 +3862,19 @@
           <a:p>
             <a:r>
               <a:rPr lang="en-US" dirty="0"/>
-              <a:t>“Sigmoid” : uses the logistic sigmoid function, f(x) = 1 / (1 + exp(-x)) (the output will always range be greater than 0 and less than 1)</a:t>
+              <a:t>“Sigmoid” : uses the logistic sigmoid function, f(x) = 1 / (1 + exp(-x)) (the output will always range be greater than </a:t>
+            </a:r>
+            <a:r>
+              <a:rPr lang="en-US" dirty="0">
+                <a:highlight>
+                  <a:srgbClr val="FFFF00"/>
+                </a:highlight>
+              </a:rPr>
+              <a:t>0 and less than 1</a:t>
+            </a:r>
+            <a:r>
+              <a:rPr lang="en-US" dirty="0"/>
+              <a:t>)</a:t>
             </a:r>
           </a:p>
           <a:p>
@@ -4035,7 +4118,11 @@
               <a:buNone/>
             </a:pPr>
             <a:r>
-              <a:rPr lang="en-US" dirty="0"/>
+              <a:rPr lang="en-US" dirty="0">
+                <a:highlight>
+                  <a:srgbClr val="FFFF00"/>
+                </a:highlight>
+              </a:rPr>
               <a:t>The algorithm divided into two parts: the forward pass and the backward pass also known as “backpropagation.”</a:t>
             </a:r>
           </a:p>
@@ -4808,8 +4895,16 @@
           </a:p>
           <a:p>
             <a:r>
+              <a:rPr lang="en-US" dirty="0">
+                <a:highlight>
+                  <a:srgbClr val="FFFF00"/>
+                </a:highlight>
+              </a:rPr>
+              <a:t>Forward pass is defined in the forward function, which is invoked automatically when the class is called</a:t>
+            </a:r>
+            <a:r>
               <a:rPr lang="en-US" dirty="0"/>
-              <a:t>Forward pass is defined in the forward function, which is invoked automatically when the class is called.</a:t>
+              <a:t>.</a:t>
             </a:r>
           </a:p>
           <a:p>
@@ -5081,31 +5176,6 @@
           </a:p>
         </p:txBody>
       </p:sp>
-      <p:sp>
-        <p:nvSpPr>
-          <p:cNvPr id="3" name="Subtitle 2">
-            <a:extLst>
-              <a:ext uri="{FF2B5EF4-FFF2-40B4-BE49-F238E27FC236}">
-                <a16:creationId xmlns:a16="http://schemas.microsoft.com/office/drawing/2014/main" id="{A9951DD0-B8CB-433F-89D1-FBF83525E4FC}"/>
-              </a:ext>
-            </a:extLst>
-          </p:cNvPr>
-          <p:cNvSpPr>
-            <a:spLocks noGrp="1"/>
-          </p:cNvSpPr>
-          <p:nvPr>
-            <p:ph type="subTitle" idx="1"/>
-          </p:nvPr>
-        </p:nvSpPr>
-        <p:spPr/>
-        <p:txBody>
-          <a:bodyPr/>
-          <a:lstStyle/>
-          <a:p>
-            <a:endParaRPr lang="en-IN"/>
-          </a:p>
-        </p:txBody>
-      </p:sp>
     </p:spTree>
     <p:extLst>
       <p:ext uri="{BB962C8B-B14F-4D97-AF65-F5344CB8AC3E}">
@@ -5196,7 +5266,7 @@
             </a:r>
             <a:r>
               <a:rPr lang="en-US" dirty="0" err="1"/>
-              <a:t>pytorch</a:t>
+              <a:t>PyTorch</a:t>
             </a:r>
             <a:r>
               <a:rPr lang="en-US" dirty="0"/>
@@ -5231,48 +5301,88 @@
           <a:p>
             <a:pPr lvl="1"/>
             <a:r>
-              <a:rPr lang="en-US" dirty="0"/>
+              <a:rPr lang="en-US" dirty="0">
+                <a:highlight>
+                  <a:srgbClr val="FFFF00"/>
+                </a:highlight>
+              </a:rPr>
               <a:t>The </a:t>
             </a:r>
             <a:r>
-              <a:rPr lang="en-US" dirty="0" err="1"/>
+              <a:rPr lang="en-US" dirty="0" err="1">
+                <a:highlight>
+                  <a:srgbClr val="FFFF00"/>
+                </a:highlight>
+              </a:rPr>
               <a:t>init</a:t>
             </a:r>
             <a:r>
-              <a:rPr lang="en-US" dirty="0"/>
+              <a:rPr lang="en-US" dirty="0">
+                <a:highlight>
+                  <a:srgbClr val="FFFF00"/>
+                </a:highlight>
+              </a:rPr>
               <a:t> function is used to </a:t>
             </a:r>
             <a:r>
-              <a:rPr lang="en-US" dirty="0" err="1"/>
+              <a:rPr lang="en-US" dirty="0" err="1">
+                <a:highlight>
+                  <a:srgbClr val="FFFF00"/>
+                </a:highlight>
+              </a:rPr>
               <a:t>initialise</a:t>
             </a:r>
             <a:r>
-              <a:rPr lang="en-US" dirty="0"/>
+              <a:rPr lang="en-US" dirty="0">
+                <a:highlight>
+                  <a:srgbClr val="FFFF00"/>
+                </a:highlight>
+              </a:rPr>
               <a:t> the x and y of our dataset</a:t>
             </a:r>
           </a:p>
           <a:p>
             <a:pPr lvl="1"/>
             <a:r>
-              <a:rPr lang="en-US" dirty="0" err="1"/>
+              <a:rPr lang="en-US" dirty="0" err="1">
+                <a:highlight>
+                  <a:srgbClr val="FFFF00"/>
+                </a:highlight>
+              </a:rPr>
               <a:t>getitem</a:t>
             </a:r>
             <a:r>
-              <a:rPr lang="en-US" dirty="0"/>
+              <a:rPr lang="en-US" dirty="0">
+                <a:highlight>
+                  <a:srgbClr val="FFFF00"/>
+                </a:highlight>
+              </a:rPr>
               <a:t> function is used to return a particular index in the dataset. It returns both the x and y value.</a:t>
             </a:r>
           </a:p>
           <a:p>
             <a:pPr lvl="1"/>
             <a:r>
-              <a:rPr lang="en-US" dirty="0" err="1"/>
+              <a:rPr lang="en-US" dirty="0" err="1">
+                <a:highlight>
+                  <a:srgbClr val="FFFF00"/>
+                </a:highlight>
+              </a:rPr>
               <a:t>len</a:t>
             </a:r>
             <a:r>
-              <a:rPr lang="en-US" dirty="0"/>
+              <a:rPr lang="en-US" dirty="0">
+                <a:highlight>
+                  <a:srgbClr val="FFFF00"/>
+                </a:highlight>
+              </a:rPr>
               <a:t> function returns the size of the dataset</a:t>
             </a:r>
-            <a:endParaRPr lang="en-IN" dirty="0"/>
+            <a:endParaRPr lang="en-IN" dirty="0">
+              <a:highlight>
+                <a:srgbClr val="FFFF00"/>
+              </a:highlight>
+            </a:endParaRPr>
           </a:p>
           <a:p>
             <a:r>
@@ -7538,19 +7648,39 @@
           <a:p>
             <a:r>
               <a:rPr lang="en-US" dirty="0"/>
-              <a:t>Linear separability of points is the ability to classify the data points in the hyperplane by avoiding the overlapping of the classes in the planes. </a:t>
+              <a:t>Linear separability of points is the ability to </a:t>
+            </a:r>
+            <a:r>
+              <a:rPr lang="en-US" dirty="0">
+                <a:highlight>
+                  <a:srgbClr val="FFFF00"/>
+                </a:highlight>
+              </a:rPr>
+              <a:t>classify the data points in the hyperplane by avoiding the overlapping of the classes in the planes. </a:t>
             </a:r>
           </a:p>
           <a:p>
             <a:r>
               <a:rPr lang="en-US" dirty="0"/>
-              <a:t>Each of the classes should fall above or below the separating line and then they are termed as linearly separable data points</a:t>
-            </a:r>
-          </a:p>
-          <a:p>
+              <a:t>Each of the classes </a:t>
+            </a:r>
+            <a:r>
+              <a:rPr lang="en-US" dirty="0">
+                <a:highlight>
+                  <a:srgbClr val="FFFF00"/>
+                </a:highlight>
+              </a:rPr>
+              <a:t>should fall above or below </a:t>
+            </a:r>
             <a:r>
               <a:rPr lang="en-US" dirty="0"/>
-              <a:t>data points have to be linearly separable to eradicate the issues with wrong weight </a:t>
+              <a:t>the separating line and then they are termed as linearly separable data points</a:t>
+            </a:r>
+          </a:p>
+          <a:p>
+            <a:r>
+              <a:rPr lang="en-US" dirty="0"/>
+              <a:t>Data points have to be linearly separable to eradicate the issues with wrong weight </a:t>
             </a:r>
             <a:r>
               <a:rPr lang="en-US" dirty="0" err="1"/>
@@ -8983,31 +9113,6 @@
           </a:p>
         </p:txBody>
       </p:sp>
-      <p:sp>
-        <p:nvSpPr>
-          <p:cNvPr id="5" name="Subtitle 4">
-            <a:extLst>
-              <a:ext uri="{FF2B5EF4-FFF2-40B4-BE49-F238E27FC236}">
-                <a16:creationId xmlns:a16="http://schemas.microsoft.com/office/drawing/2014/main" id="{757E715D-4EF0-4F35-B206-EDB2C55C3D84}"/>
-              </a:ext>
-            </a:extLst>
-          </p:cNvPr>
-          <p:cNvSpPr>
-            <a:spLocks noGrp="1"/>
-          </p:cNvSpPr>
-          <p:nvPr>
-            <p:ph type="subTitle" idx="1"/>
-          </p:nvPr>
-        </p:nvSpPr>
-        <p:spPr/>
-        <p:txBody>
-          <a:bodyPr/>
-          <a:lstStyle/>
-          <a:p>
-            <a:endParaRPr lang="en-IN"/>
-          </a:p>
-        </p:txBody>
-      </p:sp>
     </p:spTree>
     <p:extLst>
       <p:ext uri="{BB962C8B-B14F-4D97-AF65-F5344CB8AC3E}">
@@ -9291,7 +9396,15 @@
           <a:p>
             <a:r>
               <a:rPr lang="en-US" dirty="0"/>
-              <a:t>This means that there are 10 classes of digits, which includes the labels for the numbers 0 to 9.</a:t>
+              <a:t>This means that there are </a:t>
+            </a:r>
+            <a:r>
+              <a:rPr lang="en-US" dirty="0">
+                <a:highlight>
+                  <a:srgbClr val="FFFF00"/>
+                </a:highlight>
+              </a:rPr>
+              <a:t>10 classes of digits, which includes the labels for the numbers 0 to 9.</a:t>
             </a:r>
           </a:p>
           <a:p>
@@ -9303,18 +9416,37 @@
           <a:p>
             <a:r>
               <a:rPr lang="en-US" dirty="0"/>
-              <a:t>Each image is a 28×28-pixel square (flattening this into a one-dimensional array results in 784 pixels total) in </a:t>
+              <a:t>Each image is a </a:t>
             </a:r>
             <a:r>
               <a:rPr lang="en-US" dirty="0">
+                <a:highlight>
+                  <a:srgbClr val="FFFF00"/>
+                </a:highlight>
+              </a:rPr>
+              <a:t>28×28-pixel square </a:t>
+            </a:r>
+            <a:r>
+              <a:rPr lang="en-US" dirty="0"/>
+              <a:t>(flattening this into a one-dimensional array results in 784 pixels total) in </a:t>
+            </a:r>
+            <a:r>
+              <a:rPr lang="en-US" dirty="0">
                 <a:solidFill>
                   <a:srgbClr val="00B0F0"/>
                 </a:solidFill>
+                <a:highlight>
+                  <a:srgbClr val="FFFF00"/>
+                </a:highlight>
               </a:rPr>
               <a:t>grayscale</a:t>
             </a:r>
             <a:r>
-              <a:rPr lang="en-US" dirty="0"/>
+              <a:rPr lang="en-US" dirty="0">
+                <a:highlight>
+                  <a:srgbClr val="FFFF00"/>
+                </a:highlight>
+              </a:rPr>
               <a:t>. </a:t>
             </a:r>
           </a:p>
@@ -9424,7 +9556,11 @@
           </a:p>
           <a:p>
             <a:r>
-              <a:rPr lang="en-US" dirty="0"/>
+              <a:rPr lang="en-US" dirty="0">
+                <a:highlight>
+                  <a:srgbClr val="FFFF00"/>
+                </a:highlight>
+              </a:rPr>
               <a:t>This is a </a:t>
             </a:r>
             <a:r>
@@ -9432,17 +9568,28 @@
                 <a:solidFill>
                   <a:srgbClr val="00B0F0"/>
                 </a:solidFill>
+                <a:highlight>
+                  <a:srgbClr val="FFFF00"/>
+                </a:highlight>
               </a:rPr>
               <a:t>multiclass classification problem</a:t>
             </a:r>
             <a:r>
-              <a:rPr lang="en-US" dirty="0"/>
+              <a:rPr lang="en-US" dirty="0">
+                <a:highlight>
+                  <a:srgbClr val="FFFF00"/>
+                </a:highlight>
+              </a:rPr>
               <a:t>. </a:t>
             </a:r>
           </a:p>
           <a:p>
             <a:r>
-              <a:rPr lang="en-US" dirty="0"/>
+              <a:rPr lang="en-US" dirty="0">
+                <a:highlight>
+                  <a:srgbClr val="FFFF00"/>
+                </a:highlight>
+              </a:rPr>
               <a:t>So use the </a:t>
             </a:r>
             <a:r>
@@ -9450,14 +9597,25 @@
                 <a:solidFill>
                   <a:srgbClr val="00B0F0"/>
                 </a:solidFill>
+                <a:highlight>
+                  <a:srgbClr val="FFFF00"/>
+                </a:highlight>
               </a:rPr>
               <a:t>cross entropy function </a:t>
             </a:r>
             <a:r>
-              <a:rPr lang="en-US" dirty="0"/>
+              <a:rPr lang="en-US" dirty="0">
+                <a:highlight>
+                  <a:srgbClr val="FFFF00"/>
+                </a:highlight>
+              </a:rPr>
               <a:t>to evaluate the model performance</a:t>
             </a:r>
-            <a:endParaRPr lang="en-IN" dirty="0"/>
+            <a:endParaRPr lang="en-IN" dirty="0">
+              <a:highlight>
+                <a:srgbClr val="FFFF00"/>
+              </a:highlight>
+            </a:endParaRPr>
           </a:p>
         </p:txBody>
       </p:sp>
@@ -10203,6 +10361,9 @@
                 <a:solidFill>
                   <a:srgbClr val="00B0F0"/>
                 </a:solidFill>
+                <a:highlight>
+                  <a:srgbClr val="FFFF00"/>
+                </a:highlight>
               </a:rPr>
               <a:t>transforms.ToTensor</a:t>
             </a:r>
@@ -10211,40 +10372,67 @@
                 <a:solidFill>
                   <a:srgbClr val="00B0F0"/>
                 </a:solidFill>
+                <a:highlight>
+                  <a:srgbClr val="FFFF00"/>
+                </a:highlight>
               </a:rPr>
               <a:t>() </a:t>
             </a:r>
           </a:p>
           <a:p>
             <a:r>
-              <a:rPr lang="en-US" dirty="0"/>
+              <a:rPr lang="en-US" dirty="0">
+                <a:highlight>
+                  <a:srgbClr val="FFFF00"/>
+                </a:highlight>
+              </a:rPr>
               <a:t>converts the image into numbers, that are understandable by the system. </a:t>
             </a:r>
           </a:p>
           <a:p>
             <a:r>
-              <a:rPr lang="en-US" dirty="0"/>
+              <a:rPr lang="en-US" dirty="0">
+                <a:highlight>
+                  <a:srgbClr val="FFFF00"/>
+                </a:highlight>
+              </a:rPr>
               <a:t>It separates the image into three color channels (separate images): red, green &amp; blue (note: MNIST data set is grayscale image) </a:t>
             </a:r>
           </a:p>
           <a:p>
             <a:r>
-              <a:rPr lang="en-US" dirty="0"/>
+              <a:rPr lang="en-US" dirty="0">
+                <a:highlight>
+                  <a:srgbClr val="FFFF00"/>
+                </a:highlight>
+              </a:rPr>
               <a:t>Then it converts the pixels of each image to the brightness of their color between 0 and 255. </a:t>
             </a:r>
           </a:p>
           <a:p>
             <a:r>
-              <a:rPr lang="en-US" dirty="0"/>
+              <a:rPr lang="en-US" dirty="0">
+                <a:highlight>
+                  <a:srgbClr val="FFFF00"/>
+                </a:highlight>
+              </a:rPr>
               <a:t>These values are then scaled down to a range between 0 and 1 </a:t>
             </a:r>
           </a:p>
           <a:p>
             <a:r>
-              <a:rPr lang="en-US" dirty="0"/>
+              <a:rPr lang="en-US" dirty="0">
+                <a:highlight>
+                  <a:srgbClr val="FFFF00"/>
+                </a:highlight>
+              </a:rPr>
               <a:t>The image is now a Torch Tensor</a:t>
             </a:r>
-            <a:endParaRPr lang="en-IN" dirty="0"/>
+            <a:endParaRPr lang="en-IN" dirty="0">
+              <a:highlight>
+                <a:srgbClr val="FFFF00"/>
+              </a:highlight>
+            </a:endParaRPr>
           </a:p>
         </p:txBody>
       </p:sp>
@@ -10649,7 +10837,11 @@
           </a:p>
           <a:p>
             <a:r>
-              <a:rPr lang="en-US" dirty="0"/>
+              <a:rPr lang="en-US" dirty="0">
+                <a:highlight>
+                  <a:srgbClr val="FFFF00"/>
+                </a:highlight>
+              </a:rPr>
               <a:t>batch size is the number of images to read in one go</a:t>
             </a:r>
           </a:p>
@@ -11742,34 +11934,62 @@
           <a:p>
             <a:r>
               <a:rPr lang="en-US" dirty="0"/>
-              <a:t>The neural network needs to produce two different decision planes to linearly separate the input data based on the output patterns. </a:t>
-            </a:r>
-          </a:p>
-          <a:p>
+              <a:t>The neural network </a:t>
+            </a:r>
+            <a:r>
+              <a:rPr lang="en-US" dirty="0">
+                <a:highlight>
+                  <a:srgbClr val="FFFF00"/>
+                </a:highlight>
+              </a:rPr>
+              <a:t>needs to produce two different decision planes </a:t>
+            </a:r>
             <a:r>
               <a:rPr lang="en-US" dirty="0"/>
-              <a:t>This is achieved by using the concept of hidden layers </a:t>
+              <a:t>to linearly separate the input data based on the output patterns. </a:t>
+            </a:r>
+          </a:p>
+          <a:p>
+            <a:r>
+              <a:rPr lang="en-US" dirty="0"/>
+              <a:t>This is achieved by using the concept of hidden layers</a:t>
             </a:r>
           </a:p>
           <a:p>
             <a:pPr lvl="1"/>
             <a:r>
+              <a:rPr lang="en-US" dirty="0">
+                <a:highlight>
+                  <a:srgbClr val="FFFF00"/>
+                </a:highlight>
+              </a:rPr>
+              <a:t>The neural network will consist of one input layer with two nodes (X1,X2); </a:t>
+            </a:r>
+          </a:p>
+          <a:p>
+            <a:pPr lvl="1"/>
+            <a:r>
+              <a:rPr lang="en-US" dirty="0">
+                <a:highlight>
+                  <a:srgbClr val="FFFF00"/>
+                </a:highlight>
+              </a:rPr>
+              <a:t>one hidden layer with two nodes (since two decision planes are needed);</a:t>
+            </a:r>
+          </a:p>
+          <a:p>
+            <a:pPr lvl="1"/>
+            <a:r>
+              <a:rPr lang="en-US" dirty="0">
+                <a:highlight>
+                  <a:srgbClr val="FFFF00"/>
+                </a:highlight>
+              </a:rPr>
+              <a:t>and one output layer with one node (Y).</a:t>
+            </a:r>
+            <a:r>
               <a:rPr lang="en-US" dirty="0"/>
-              <a:t>The neural network will consist of one input layer with two nodes (X1,X2); </a:t>
-            </a:r>
-          </a:p>
-          <a:p>
-            <a:pPr lvl="1"/>
-            <a:r>
-              <a:rPr lang="en-US" dirty="0"/>
-              <a:t>one hidden layer with two nodes (since two decision planes are needed);</a:t>
-            </a:r>
-          </a:p>
-          <a:p>
-            <a:pPr lvl="1"/>
-            <a:r>
-              <a:rPr lang="en-US" dirty="0"/>
-              <a:t> and one output layer with one node (Y). </a:t>
+              <a:t> </a:t>
             </a:r>
           </a:p>
           <a:p>
@@ -12338,7 +12558,11 @@
           </a:p>
           <a:p>
             <a:r>
-              <a:rPr lang="en-IN" dirty="0"/>
+              <a:rPr lang="en-IN" dirty="0">
+                <a:highlight>
+                  <a:srgbClr val="FFFF00"/>
+                </a:highlight>
+              </a:rPr>
               <a:t>Find the total number of learnable parameters =  6 weights + 3 biases= 9 parameters</a:t>
             </a:r>
           </a:p>
